--- a/teach/spring_21/1370/slides/week6_2.pptx
+++ b/teach/spring_21/1370/slides/week6_2.pptx
@@ -5,7 +5,7 @@
     <p:sldMasterId id="2147484020" r:id="rId1"/>
   </p:sldMasterIdLst>
   <p:notesMasterIdLst>
-    <p:notesMasterId r:id="rId18"/>
+    <p:notesMasterId r:id="rId24"/>
   </p:notesMasterIdLst>
   <p:sldIdLst>
     <p:sldId id="317" r:id="rId2"/>
@@ -24,6 +24,12 @@
     <p:sldId id="330" r:id="rId15"/>
     <p:sldId id="331" r:id="rId16"/>
     <p:sldId id="271" r:id="rId17"/>
+    <p:sldId id="289" r:id="rId18"/>
+    <p:sldId id="290" r:id="rId19"/>
+    <p:sldId id="283" r:id="rId20"/>
+    <p:sldId id="284" r:id="rId21"/>
+    <p:sldId id="285" r:id="rId22"/>
+    <p:sldId id="332" r:id="rId23"/>
   </p:sldIdLst>
   <p:sldSz cx="9144000" cy="6858000" type="screen4x3"/>
   <p:notesSz cx="6858000" cy="9144000"/>
@@ -171,6 +177,32 @@
 </p:presentation>
 </file>
 
+<file path=ppt/commentAuthors.xml><?xml version="1.0" encoding="utf-8"?>
+<p:cmAuthorLst xmlns:a="http://schemas.openxmlformats.org/drawingml/2006/main" xmlns:r="http://schemas.openxmlformats.org/officeDocument/2006/relationships" xmlns:p="http://schemas.openxmlformats.org/presentationml/2006/main">
+  <p:cmAuthor id="1" name="Lin, Beiyu" initials="LB" lastIdx="1" clrIdx="0">
+    <p:extLst>
+      <p:ext uri="{19B8F6BF-5375-455C-9EA6-DF929625EA0E}">
+        <p15:presenceInfo xmlns:p15="http://schemas.microsoft.com/office/powerpoint/2012/main" userId="S::beiyu.lin@wsu.edu::8c805682-b34c-4065-b851-21ebf6838f13" providerId="AD"/>
+      </p:ext>
+    </p:extLst>
+  </p:cmAuthor>
+</p:cmAuthorLst>
+</file>
+
+<file path=ppt/comments/comment1.xml><?xml version="1.0" encoding="utf-8"?>
+<p:cmLst xmlns:a="http://schemas.openxmlformats.org/drawingml/2006/main" xmlns:r="http://schemas.openxmlformats.org/officeDocument/2006/relationships" xmlns:p="http://schemas.openxmlformats.org/presentationml/2006/main">
+  <p:cm authorId="1" dt="2020-09-02T07:13:13.504" idx="1">
+    <p:pos x="10" y="10"/>
+    <p:text/>
+    <p:extLst>
+      <p:ext uri="{C676402C-5697-4E1C-873F-D02D1690AC5C}">
+        <p15:threadingInfo xmlns:p15="http://schemas.microsoft.com/office/powerpoint/2012/main" timeZoneBias="420"/>
+      </p:ext>
+    </p:extLst>
+  </p:cm>
+</p:cmLst>
+</file>
+
 <file path=ppt/notesMasters/notesMaster1.xml><?xml version="1.0" encoding="utf-8"?>
 <p:notesMaster xmlns:a="http://schemas.openxmlformats.org/drawingml/2006/main" xmlns:r="http://schemas.openxmlformats.org/officeDocument/2006/relationships" xmlns:p="http://schemas.openxmlformats.org/presentationml/2006/main">
   <p:cSld>
@@ -262,7 +294,7 @@
             <a:fld id="{6A1DBDC4-F84B-4B3A-9BA0-F77140A66E90}" type="datetimeFigureOut">
               <a:rPr lang="en-US"/>
               <a:pPr/>
-              <a:t>2/23/21</a:t>
+              <a:t>2/25/21</a:t>
             </a:fld>
             <a:endParaRPr lang="en-US"/>
           </a:p>
@@ -964,7 +996,7 @@
             <a:fld id="{C498CA56-6208-4A5A-9D23-DDD25A18C2B3}" type="datetimeFigureOut">
               <a:rPr lang="en-US"/>
               <a:pPr/>
-              <a:t>2/23/21</a:t>
+              <a:t>2/25/21</a:t>
             </a:fld>
             <a:endParaRPr lang="en-US"/>
           </a:p>
@@ -1141,7 +1173,7 @@
             <a:fld id="{624805B7-2B4A-43C9-B3C5-64F2C528AD69}" type="datetimeFigureOut">
               <a:rPr lang="en-US"/>
               <a:pPr/>
-              <a:t>2/23/21</a:t>
+              <a:t>2/25/21</a:t>
             </a:fld>
             <a:endParaRPr lang="en-US"/>
           </a:p>
@@ -1328,7 +1360,7 @@
             <a:fld id="{91DCC2F5-5EE7-45BF-99F9-75890DB739B3}" type="datetimeFigureOut">
               <a:rPr lang="en-US"/>
               <a:pPr/>
-              <a:t>2/23/21</a:t>
+              <a:t>2/25/21</a:t>
             </a:fld>
             <a:endParaRPr lang="en-US"/>
           </a:p>
@@ -1544,7 +1576,7 @@
             <a:fld id="{E2E976A5-1009-4436-9B8C-9835B82C0FBB}" type="datetimeFigureOut">
               <a:rPr lang="en-US"/>
               <a:pPr/>
-              <a:t>2/23/21</a:t>
+              <a:t>2/25/21</a:t>
             </a:fld>
             <a:endParaRPr lang="en-US"/>
           </a:p>
@@ -1798,7 +1830,7 @@
             <a:fld id="{9A8AA87E-C144-4B2A-81EA-9E72F880C0CA}" type="datetimeFigureOut">
               <a:rPr lang="en-US"/>
               <a:pPr/>
-              <a:t>2/23/21</a:t>
+              <a:t>2/25/21</a:t>
             </a:fld>
             <a:endParaRPr lang="en-US"/>
           </a:p>
@@ -2092,7 +2124,7 @@
             <a:fld id="{866C2420-2C3E-4748-8453-226F4817B4EC}" type="datetimeFigureOut">
               <a:rPr lang="en-US"/>
               <a:pPr/>
-              <a:t>2/23/21</a:t>
+              <a:t>2/25/21</a:t>
             </a:fld>
             <a:endParaRPr lang="en-US"/>
           </a:p>
@@ -2520,7 +2552,7 @@
             <a:fld id="{9487ECFB-269A-4EB6-9175-6162B8DD08E6}" type="datetimeFigureOut">
               <a:rPr lang="en-US"/>
               <a:pPr/>
-              <a:t>2/23/21</a:t>
+              <a:t>2/25/21</a:t>
             </a:fld>
             <a:endParaRPr lang="en-US"/>
           </a:p>
@@ -2646,7 +2678,7 @@
             <a:fld id="{1AF75B6C-5D1D-40DC-9998-BF03558B319A}" type="datetimeFigureOut">
               <a:rPr lang="en-US"/>
               <a:pPr/>
-              <a:t>2/23/21</a:t>
+              <a:t>2/25/21</a:t>
             </a:fld>
             <a:endParaRPr lang="en-US"/>
           </a:p>
@@ -2750,7 +2782,7 @@
             <a:fld id="{0919E438-5101-4170-AE07-87A782222B07}" type="datetimeFigureOut">
               <a:rPr lang="en-US"/>
               <a:pPr/>
-              <a:t>2/23/21</a:t>
+              <a:t>2/25/21</a:t>
             </a:fld>
             <a:endParaRPr lang="en-US"/>
           </a:p>
@@ -3034,7 +3066,7 @@
             <a:fld id="{A466955D-1EC8-499F-9263-BF2FDD726013}" type="datetimeFigureOut">
               <a:rPr lang="en-US"/>
               <a:pPr/>
-              <a:t>2/23/21</a:t>
+              <a:t>2/25/21</a:t>
             </a:fld>
             <a:endParaRPr lang="en-US"/>
           </a:p>
@@ -3298,7 +3330,7 @@
             <a:fld id="{0680152A-1D85-4AE3-AA4E-3962D2958CEE}" type="datetimeFigureOut">
               <a:rPr lang="en-US"/>
               <a:pPr/>
-              <a:t>2/23/21</a:t>
+              <a:t>2/25/21</a:t>
             </a:fld>
             <a:endParaRPr lang="en-US"/>
           </a:p>
@@ -3535,7 +3567,7 @@
             <a:fld id="{10932223-8D2A-4930-ACED-A722D6E87D91}" type="datetimeFigureOut">
               <a:rPr lang="en-US"/>
               <a:pPr/>
-              <a:t>2/23/21</a:t>
+              <a:t>2/25/21</a:t>
             </a:fld>
             <a:endParaRPr lang="en-US"/>
           </a:p>
@@ -4333,6 +4365,43 @@
                 <a:latin typeface="Courier New" pitchFamily="49" charset="0"/>
                 <a:cs typeface="Courier New" pitchFamily="49" charset="0"/>
               </a:rPr>
+              <a:t>	// return </a:t>
+            </a:r>
+            <a:r>
+              <a:rPr lang="en-US" sz="2000" dirty="0" err="1">
+                <a:solidFill>
+                  <a:schemeClr val="accent4"/>
+                </a:solidFill>
+                <a:latin typeface="Courier New" pitchFamily="49" charset="0"/>
+                <a:cs typeface="Courier New" pitchFamily="49" charset="0"/>
+              </a:rPr>
+              <a:t>x+y+z</a:t>
+            </a:r>
+            <a:r>
+              <a:rPr lang="en-US" sz="2000" dirty="0">
+                <a:solidFill>
+                  <a:schemeClr val="accent4"/>
+                </a:solidFill>
+                <a:latin typeface="Courier New" pitchFamily="49" charset="0"/>
+                <a:cs typeface="Courier New" pitchFamily="49" charset="0"/>
+              </a:rPr>
+              <a:t>;</a:t>
+            </a:r>
+          </a:p>
+          <a:p>
+            <a:pPr lvl="1">
+              <a:buFont typeface="Arial" charset="0"/>
+              <a:buNone/>
+              <a:defRPr/>
+            </a:pPr>
+            <a:r>
+              <a:rPr lang="en-US" sz="2000" dirty="0">
+                <a:solidFill>
+                  <a:schemeClr val="accent4"/>
+                </a:solidFill>
+                <a:latin typeface="Courier New" pitchFamily="49" charset="0"/>
+                <a:cs typeface="Courier New" pitchFamily="49" charset="0"/>
+              </a:rPr>
               <a:t>}</a:t>
             </a:r>
           </a:p>
@@ -5396,10 +5465,60 @@
           <a:lstStyle/>
           <a:p>
             <a:pPr marL="514350" indent="-514350">
+              <a:buNone/>
+              <a:defRPr/>
+            </a:pPr>
+            <a:r>
+              <a:rPr lang="en-US" sz="2000" dirty="0">
+                <a:solidFill>
+                  <a:schemeClr val="accent4"/>
+                </a:solidFill>
+                <a:latin typeface="Courier New" pitchFamily="49" charset="0"/>
+                <a:cs typeface="Courier New" pitchFamily="49" charset="0"/>
+              </a:rPr>
+              <a:t>Double </a:t>
+            </a:r>
+            <a:r>
+              <a:rPr lang="en-US" sz="2000" dirty="0" err="1">
+                <a:solidFill>
+                  <a:schemeClr val="accent4"/>
+                </a:solidFill>
+                <a:latin typeface="Courier New" pitchFamily="49" charset="0"/>
+                <a:cs typeface="Courier New" pitchFamily="49" charset="0"/>
+              </a:rPr>
+              <a:t>sum_three</a:t>
+            </a:r>
+            <a:r>
+              <a:rPr lang="en-US" sz="2000" dirty="0">
+                <a:solidFill>
+                  <a:schemeClr val="accent4"/>
+                </a:solidFill>
+                <a:latin typeface="Courier New" pitchFamily="49" charset="0"/>
+                <a:cs typeface="Courier New" pitchFamily="49" charset="0"/>
+              </a:rPr>
+              <a:t>(double x, double z, double y);</a:t>
+            </a:r>
+          </a:p>
+          <a:p>
+            <a:pPr marL="514350" indent="-514350">
               <a:buFont typeface="Arial" charset="0"/>
               <a:buNone/>
               <a:defRPr/>
             </a:pPr>
+            <a:endParaRPr lang="en-US" sz="2000" dirty="0">
+              <a:solidFill>
+                <a:schemeClr val="accent4"/>
+              </a:solidFill>
+              <a:latin typeface="Courier New" pitchFamily="49" charset="0"/>
+              <a:cs typeface="Courier New" pitchFamily="49" charset="0"/>
+            </a:endParaRPr>
+          </a:p>
+          <a:p>
+            <a:pPr marL="514350" indent="-514350">
+              <a:buFont typeface="Arial" charset="0"/>
+              <a:buNone/>
+              <a:defRPr/>
+            </a:pPr>
             <a:r>
               <a:rPr lang="en-US" sz="2000" dirty="0">
                 <a:solidFill>
@@ -5430,14 +5549,6 @@
               </a:rPr>
               <a:t>( 5, 6, 7 );</a:t>
             </a:r>
-            <a:endParaRPr lang="en-US" sz="2000" dirty="0"/>
-          </a:p>
-          <a:p>
-            <a:pPr marL="514350" indent="-514350">
-              <a:buFont typeface="+mj-lt"/>
-              <a:buAutoNum type="arabicPeriod"/>
-              <a:defRPr/>
-            </a:pPr>
             <a:endParaRPr lang="en-US" sz="2000" dirty="0"/>
           </a:p>
           <a:p>
@@ -7360,6 +7471,1377 @@
         </p:txBody>
       </p:sp>
     </p:spTree>
+  </p:cSld>
+  <p:clrMapOvr>
+    <a:masterClrMapping/>
+  </p:clrMapOvr>
+</p:sld>
+</file>
+
+<file path=ppt/slides/slide17.xml><?xml version="1.0" encoding="utf-8"?>
+<p:sld xmlns:a="http://schemas.openxmlformats.org/drawingml/2006/main" xmlns:r="http://schemas.openxmlformats.org/officeDocument/2006/relationships" xmlns:p="http://schemas.openxmlformats.org/presentationml/2006/main">
+  <p:cSld>
+    <p:spTree>
+      <p:nvGrpSpPr>
+        <p:cNvPr id="1" name=""/>
+        <p:cNvGrpSpPr/>
+        <p:nvPr/>
+      </p:nvGrpSpPr>
+      <p:grpSpPr>
+        <a:xfrm>
+          <a:off x="0" y="0"/>
+          <a:ext cx="0" cy="0"/>
+          <a:chOff x="0" y="0"/>
+          <a:chExt cx="0" cy="0"/>
+        </a:xfrm>
+      </p:grpSpPr>
+      <p:sp>
+        <p:nvSpPr>
+          <p:cNvPr id="2" name="Title 1"/>
+          <p:cNvSpPr>
+            <a:spLocks noGrp="1"/>
+          </p:cNvSpPr>
+          <p:nvPr>
+            <p:ph type="title"/>
+          </p:nvPr>
+        </p:nvSpPr>
+        <p:spPr/>
+        <p:txBody>
+          <a:bodyPr/>
+          <a:lstStyle/>
+          <a:p>
+            <a:pPr>
+              <a:defRPr/>
+            </a:pPr>
+            <a:r>
+              <a:rPr lang="en-US" dirty="0"/>
+              <a:t>Function Prototypes</a:t>
+            </a:r>
+          </a:p>
+        </p:txBody>
+      </p:sp>
+      <p:sp>
+        <p:nvSpPr>
+          <p:cNvPr id="3" name="Content Placeholder 2"/>
+          <p:cNvSpPr>
+            <a:spLocks noGrp="1"/>
+          </p:cNvSpPr>
+          <p:nvPr>
+            <p:ph idx="1"/>
+          </p:nvPr>
+        </p:nvSpPr>
+        <p:spPr/>
+        <p:txBody>
+          <a:bodyPr/>
+          <a:lstStyle/>
+          <a:p>
+            <a:pPr>
+              <a:defRPr/>
+            </a:pPr>
+            <a:r>
+              <a:rPr lang="en-US" dirty="0"/>
+              <a:t>Like variables, functions must be declared before they are used</a:t>
+            </a:r>
+          </a:p>
+          <a:p>
+            <a:pPr lvl="1">
+              <a:defRPr/>
+            </a:pPr>
+            <a:r>
+              <a:rPr lang="en-US" dirty="0"/>
+              <a:t>That’s why we’ve been putting them at the top of the file, before </a:t>
+            </a:r>
+            <a:r>
+              <a:rPr lang="en-US" dirty="0">
+                <a:solidFill>
+                  <a:schemeClr val="accent4"/>
+                </a:solidFill>
+                <a:latin typeface="Courier New" pitchFamily="49" charset="0"/>
+                <a:cs typeface="Courier New" pitchFamily="49" charset="0"/>
+              </a:rPr>
+              <a:t>main</a:t>
+            </a:r>
+          </a:p>
+          <a:p>
+            <a:pPr lvl="1">
+              <a:defRPr/>
+            </a:pPr>
+            <a:r>
+              <a:rPr lang="en-US" dirty="0"/>
+              <a:t>This simultaneously </a:t>
+            </a:r>
+            <a:r>
+              <a:rPr lang="en-US" i="1" dirty="0"/>
+              <a:t>declares</a:t>
+            </a:r>
+            <a:r>
+              <a:rPr lang="en-US" dirty="0"/>
+              <a:t> and </a:t>
+            </a:r>
+            <a:r>
+              <a:rPr lang="en-US" i="1" dirty="0"/>
+              <a:t>defines</a:t>
+            </a:r>
+            <a:r>
+              <a:rPr lang="en-US" dirty="0"/>
+              <a:t> the function</a:t>
+            </a:r>
+          </a:p>
+          <a:p>
+            <a:pPr lvl="1">
+              <a:defRPr/>
+            </a:pPr>
+            <a:r>
+              <a:rPr lang="en-US" dirty="0">
+                <a:cs typeface="Courier New" pitchFamily="49" charset="0"/>
+              </a:rPr>
+              <a:t>In practice, we like to put </a:t>
+            </a:r>
+            <a:r>
+              <a:rPr lang="en-US" dirty="0">
+                <a:solidFill>
+                  <a:schemeClr val="accent4"/>
+                </a:solidFill>
+                <a:latin typeface="Courier New" pitchFamily="49" charset="0"/>
+                <a:cs typeface="Courier New" pitchFamily="49" charset="0"/>
+              </a:rPr>
+              <a:t>main</a:t>
+            </a:r>
+            <a:r>
+              <a:rPr lang="en-US" dirty="0">
+                <a:cs typeface="Courier New" pitchFamily="49" charset="0"/>
+              </a:rPr>
+              <a:t> first, so we separate the function </a:t>
+            </a:r>
+            <a:r>
+              <a:rPr lang="en-US" i="1" dirty="0">
+                <a:cs typeface="Courier New" pitchFamily="49" charset="0"/>
+              </a:rPr>
+              <a:t>declaration</a:t>
+            </a:r>
+            <a:r>
+              <a:rPr lang="en-US" dirty="0">
+                <a:cs typeface="Courier New" pitchFamily="49" charset="0"/>
+              </a:rPr>
+              <a:t> from the function </a:t>
+            </a:r>
+            <a:r>
+              <a:rPr lang="en-US" i="1" dirty="0">
+                <a:cs typeface="Courier New" pitchFamily="49" charset="0"/>
+              </a:rPr>
+              <a:t>definition</a:t>
+            </a:r>
+          </a:p>
+        </p:txBody>
+      </p:sp>
+    </p:spTree>
+    <p:extLst>
+      <p:ext uri="{BB962C8B-B14F-4D97-AF65-F5344CB8AC3E}">
+        <p14:creationId xmlns:p14="http://schemas.microsoft.com/office/powerpoint/2010/main" val="347425627"/>
+      </p:ext>
+    </p:extLst>
+  </p:cSld>
+  <p:clrMapOvr>
+    <a:masterClrMapping/>
+  </p:clrMapOvr>
+</p:sld>
+</file>
+
+<file path=ppt/slides/slide18.xml><?xml version="1.0" encoding="utf-8"?>
+<p:sld xmlns:a="http://schemas.openxmlformats.org/drawingml/2006/main" xmlns:r="http://schemas.openxmlformats.org/officeDocument/2006/relationships" xmlns:p="http://schemas.openxmlformats.org/presentationml/2006/main">
+  <p:cSld>
+    <p:spTree>
+      <p:nvGrpSpPr>
+        <p:cNvPr id="1" name=""/>
+        <p:cNvGrpSpPr/>
+        <p:nvPr/>
+      </p:nvGrpSpPr>
+      <p:grpSpPr>
+        <a:xfrm>
+          <a:off x="0" y="0"/>
+          <a:ext cx="0" cy="0"/>
+          <a:chOff x="0" y="0"/>
+          <a:chExt cx="0" cy="0"/>
+        </a:xfrm>
+      </p:grpSpPr>
+      <p:sp>
+        <p:nvSpPr>
+          <p:cNvPr id="2" name="Title 1"/>
+          <p:cNvSpPr>
+            <a:spLocks noGrp="1"/>
+          </p:cNvSpPr>
+          <p:nvPr>
+            <p:ph type="title"/>
+          </p:nvPr>
+        </p:nvSpPr>
+        <p:spPr/>
+        <p:txBody>
+          <a:bodyPr/>
+          <a:lstStyle/>
+          <a:p>
+            <a:pPr>
+              <a:defRPr/>
+            </a:pPr>
+            <a:r>
+              <a:rPr lang="en-US" dirty="0"/>
+              <a:t>Function Prototypes</a:t>
+            </a:r>
+          </a:p>
+        </p:txBody>
+      </p:sp>
+      <p:sp>
+        <p:nvSpPr>
+          <p:cNvPr id="3" name="Content Placeholder 2"/>
+          <p:cNvSpPr>
+            <a:spLocks noGrp="1"/>
+          </p:cNvSpPr>
+          <p:nvPr>
+            <p:ph idx="1"/>
+          </p:nvPr>
+        </p:nvSpPr>
+        <p:spPr>
+          <a:xfrm>
+            <a:off x="457200" y="1295400"/>
+            <a:ext cx="8229600" cy="5181600"/>
+          </a:xfrm>
+        </p:spPr>
+        <p:txBody>
+          <a:bodyPr/>
+          <a:lstStyle/>
+          <a:p>
+            <a:pPr>
+              <a:defRPr/>
+            </a:pPr>
+            <a:r>
+              <a:rPr lang="en-US" sz="2800" dirty="0"/>
+              <a:t>Functions are </a:t>
+            </a:r>
+            <a:r>
+              <a:rPr lang="en-US" sz="2800" b="1" i="1" dirty="0">
+                <a:solidFill>
+                  <a:srgbClr val="0070C0"/>
+                </a:solidFill>
+              </a:rPr>
+              <a:t>declared</a:t>
+            </a:r>
+            <a:r>
+              <a:rPr lang="en-US" sz="2800" dirty="0"/>
+              <a:t> with a prototype</a:t>
+            </a:r>
+          </a:p>
+          <a:p>
+            <a:pPr lvl="1">
+              <a:defRPr/>
+            </a:pPr>
+            <a:r>
+              <a:rPr lang="en-US" sz="2400" dirty="0"/>
+              <a:t>Looks just like the function heading as a statement (with ;)</a:t>
+            </a:r>
+          </a:p>
+          <a:p>
+            <a:pPr>
+              <a:buFont typeface="Arial" charset="0"/>
+              <a:buNone/>
+              <a:defRPr/>
+            </a:pPr>
+            <a:r>
+              <a:rPr lang="en-US" sz="2800" dirty="0">
+                <a:solidFill>
+                  <a:schemeClr val="accent4"/>
+                </a:solidFill>
+                <a:latin typeface="Courier New" pitchFamily="49" charset="0"/>
+                <a:cs typeface="Courier New" pitchFamily="49" charset="0"/>
+              </a:rPr>
+              <a:t>		</a:t>
+            </a:r>
+            <a:r>
+              <a:rPr lang="en-US" sz="2400" dirty="0">
+                <a:solidFill>
+                  <a:schemeClr val="accent4"/>
+                </a:solidFill>
+                <a:latin typeface="Courier New" pitchFamily="49" charset="0"/>
+                <a:cs typeface="Courier New" pitchFamily="49" charset="0"/>
+              </a:rPr>
+              <a:t>double </a:t>
+            </a:r>
+            <a:r>
+              <a:rPr lang="en-US" sz="2400" dirty="0" err="1">
+                <a:solidFill>
+                  <a:schemeClr val="accent4"/>
+                </a:solidFill>
+                <a:latin typeface="Courier New" pitchFamily="49" charset="0"/>
+                <a:cs typeface="Courier New" pitchFamily="49" charset="0"/>
+              </a:rPr>
+              <a:t>pow</a:t>
+            </a:r>
+            <a:r>
+              <a:rPr lang="en-US" sz="2400" dirty="0">
+                <a:solidFill>
+                  <a:schemeClr val="accent4"/>
+                </a:solidFill>
+                <a:latin typeface="Courier New" pitchFamily="49" charset="0"/>
+                <a:cs typeface="Courier New" pitchFamily="49" charset="0"/>
+              </a:rPr>
+              <a:t>( double x, double y );</a:t>
+            </a:r>
+          </a:p>
+          <a:p>
+            <a:pPr>
+              <a:defRPr/>
+            </a:pPr>
+            <a:r>
+              <a:rPr lang="en-US" sz="2800" dirty="0"/>
+              <a:t>As long as the </a:t>
+            </a:r>
+            <a:r>
+              <a:rPr lang="en-US" sz="2800" b="1" i="1" dirty="0">
+                <a:solidFill>
+                  <a:srgbClr val="0070C0"/>
+                </a:solidFill>
+              </a:rPr>
+              <a:t>declaration</a:t>
+            </a:r>
+            <a:r>
+              <a:rPr lang="en-US" sz="2800" dirty="0"/>
+              <a:t> is before the function is used, you can put the </a:t>
+            </a:r>
+            <a:r>
+              <a:rPr lang="en-US" sz="2800" i="1" dirty="0"/>
+              <a:t>definition</a:t>
+            </a:r>
+            <a:r>
+              <a:rPr lang="en-US" sz="2800" dirty="0"/>
+              <a:t> anywhere</a:t>
+            </a:r>
+          </a:p>
+          <a:p>
+            <a:pPr lvl="1">
+              <a:defRPr/>
+            </a:pPr>
+            <a:r>
+              <a:rPr lang="en-US" sz="2400" dirty="0"/>
+              <a:t>The definition is unchanged, still has heading and body</a:t>
+            </a:r>
+          </a:p>
+          <a:p>
+            <a:pPr lvl="1">
+              <a:defRPr/>
+            </a:pPr>
+            <a:r>
+              <a:rPr lang="en-US" sz="2400" dirty="0"/>
+              <a:t>Convention is to put all function declarations together, followed by all function definitions (with </a:t>
+            </a:r>
+            <a:r>
+              <a:rPr lang="en-US" sz="2400" dirty="0">
+                <a:solidFill>
+                  <a:schemeClr val="accent4"/>
+                </a:solidFill>
+                <a:latin typeface="Courier New" pitchFamily="49" charset="0"/>
+                <a:cs typeface="Courier New" pitchFamily="49" charset="0"/>
+              </a:rPr>
+              <a:t>main</a:t>
+            </a:r>
+            <a:r>
+              <a:rPr lang="en-US" sz="2400" dirty="0"/>
+              <a:t> first)</a:t>
+            </a:r>
+          </a:p>
+        </p:txBody>
+      </p:sp>
+      <p:grpSp>
+        <p:nvGrpSpPr>
+          <p:cNvPr id="14" name="Group 13">
+            <a:extLst>
+              <a:ext uri="{FF2B5EF4-FFF2-40B4-BE49-F238E27FC236}">
+                <a16:creationId xmlns:a16="http://schemas.microsoft.com/office/drawing/2014/main" id="{A9244CD8-565E-D640-AAF5-3698B126D923}"/>
+              </a:ext>
+            </a:extLst>
+          </p:cNvPr>
+          <p:cNvGrpSpPr/>
+          <p:nvPr/>
+        </p:nvGrpSpPr>
+        <p:grpSpPr>
+          <a:xfrm>
+            <a:off x="1066800" y="4926037"/>
+            <a:ext cx="7924800" cy="745234"/>
+            <a:chOff x="1066800" y="4926037"/>
+            <a:chExt cx="7924800" cy="745234"/>
+          </a:xfrm>
+        </p:grpSpPr>
+        <p:grpSp>
+          <p:nvGrpSpPr>
+            <p:cNvPr id="6" name="Group 5">
+              <a:extLst>
+                <a:ext uri="{FF2B5EF4-FFF2-40B4-BE49-F238E27FC236}">
+                  <a16:creationId xmlns:a16="http://schemas.microsoft.com/office/drawing/2014/main" id="{BA2D3E7A-8BC9-A945-BEF4-437A6516F6AC}"/>
+                </a:ext>
+              </a:extLst>
+            </p:cNvPr>
+            <p:cNvGrpSpPr/>
+            <p:nvPr/>
+          </p:nvGrpSpPr>
+          <p:grpSpPr>
+            <a:xfrm>
+              <a:off x="5105400" y="4953000"/>
+              <a:ext cx="3886200" cy="718271"/>
+              <a:chOff x="1600200" y="4985061"/>
+              <a:chExt cx="3886200" cy="718271"/>
+            </a:xfrm>
+          </p:grpSpPr>
+          <p:sp>
+            <p:nvSpPr>
+              <p:cNvPr id="4" name="TextBox 3">
+                <a:extLst>
+                  <a:ext uri="{FF2B5EF4-FFF2-40B4-BE49-F238E27FC236}">
+                    <a16:creationId xmlns:a16="http://schemas.microsoft.com/office/drawing/2014/main" id="{6D55BD12-3D81-AB40-A027-D8979D9CBDA1}"/>
+                  </a:ext>
+                </a:extLst>
+              </p:cNvPr>
+              <p:cNvSpPr txBox="1"/>
+              <p:nvPr/>
+            </p:nvSpPr>
+            <p:spPr>
+              <a:xfrm>
+                <a:off x="1600200" y="5334000"/>
+                <a:ext cx="2438400" cy="369332"/>
+              </a:xfrm>
+              <a:prstGeom prst="rect">
+                <a:avLst/>
+              </a:prstGeom>
+              <a:noFill/>
+            </p:spPr>
+            <p:txBody>
+              <a:bodyPr wrap="square" rtlCol="0">
+                <a:spAutoFit/>
+              </a:bodyPr>
+              <a:lstStyle/>
+              <a:p>
+                <a:r>
+                  <a:rPr lang="en-US" b="1" dirty="0">
+                    <a:solidFill>
+                      <a:srgbClr val="00B050"/>
+                    </a:solidFill>
+                  </a:rPr>
+                  <a:t>int x; </a:t>
+                </a:r>
+              </a:p>
+            </p:txBody>
+          </p:sp>
+          <p:sp>
+            <p:nvSpPr>
+              <p:cNvPr id="5" name="TextBox 4">
+                <a:extLst>
+                  <a:ext uri="{FF2B5EF4-FFF2-40B4-BE49-F238E27FC236}">
+                    <a16:creationId xmlns:a16="http://schemas.microsoft.com/office/drawing/2014/main" id="{7F52BDA2-0DFC-C942-AA88-127C5AC014B5}"/>
+                  </a:ext>
+                </a:extLst>
+              </p:cNvPr>
+              <p:cNvSpPr txBox="1"/>
+              <p:nvPr/>
+            </p:nvSpPr>
+            <p:spPr>
+              <a:xfrm>
+                <a:off x="1600200" y="4985061"/>
+                <a:ext cx="3886200" cy="369332"/>
+              </a:xfrm>
+              <a:prstGeom prst="rect">
+                <a:avLst/>
+              </a:prstGeom>
+              <a:noFill/>
+            </p:spPr>
+            <p:txBody>
+              <a:bodyPr wrap="square" rtlCol="0">
+                <a:spAutoFit/>
+              </a:bodyPr>
+              <a:lstStyle/>
+              <a:p>
+                <a:r>
+                  <a:rPr lang="en-US" b="1" dirty="0">
+                    <a:solidFill>
+                      <a:srgbClr val="00B050"/>
+                    </a:solidFill>
+                  </a:rPr>
+                  <a:t>// allocate memory for a variable </a:t>
+                </a:r>
+              </a:p>
+            </p:txBody>
+          </p:sp>
+        </p:grpSp>
+        <p:grpSp>
+          <p:nvGrpSpPr>
+            <p:cNvPr id="10" name="Group 9">
+              <a:extLst>
+                <a:ext uri="{FF2B5EF4-FFF2-40B4-BE49-F238E27FC236}">
+                  <a16:creationId xmlns:a16="http://schemas.microsoft.com/office/drawing/2014/main" id="{AADB2CD9-FC91-5749-B455-1860EE4D4B5C}"/>
+                </a:ext>
+              </a:extLst>
+            </p:cNvPr>
+            <p:cNvGrpSpPr/>
+            <p:nvPr/>
+          </p:nvGrpSpPr>
+          <p:grpSpPr>
+            <a:xfrm>
+              <a:off x="1066800" y="4926037"/>
+              <a:ext cx="3886200" cy="718271"/>
+              <a:chOff x="1600200" y="4985061"/>
+              <a:chExt cx="3886200" cy="718271"/>
+            </a:xfrm>
+          </p:grpSpPr>
+          <p:sp>
+            <p:nvSpPr>
+              <p:cNvPr id="12" name="TextBox 11">
+                <a:extLst>
+                  <a:ext uri="{FF2B5EF4-FFF2-40B4-BE49-F238E27FC236}">
+                    <a16:creationId xmlns:a16="http://schemas.microsoft.com/office/drawing/2014/main" id="{93FF4DB3-A3B2-EF45-958A-AA440596824C}"/>
+                  </a:ext>
+                </a:extLst>
+              </p:cNvPr>
+              <p:cNvSpPr txBox="1"/>
+              <p:nvPr/>
+            </p:nvSpPr>
+            <p:spPr>
+              <a:xfrm>
+                <a:off x="1600200" y="5334000"/>
+                <a:ext cx="2438400" cy="369332"/>
+              </a:xfrm>
+              <a:prstGeom prst="rect">
+                <a:avLst/>
+              </a:prstGeom>
+              <a:noFill/>
+            </p:spPr>
+            <p:txBody>
+              <a:bodyPr wrap="square" rtlCol="0">
+                <a:spAutoFit/>
+              </a:bodyPr>
+              <a:lstStyle/>
+              <a:p>
+                <a:r>
+                  <a:rPr lang="en-US" b="1" dirty="0">
+                    <a:solidFill>
+                      <a:srgbClr val="00B050"/>
+                    </a:solidFill>
+                  </a:rPr>
+                  <a:t>int fun1(); </a:t>
+                </a:r>
+              </a:p>
+            </p:txBody>
+          </p:sp>
+          <p:sp>
+            <p:nvSpPr>
+              <p:cNvPr id="13" name="TextBox 12">
+                <a:extLst>
+                  <a:ext uri="{FF2B5EF4-FFF2-40B4-BE49-F238E27FC236}">
+                    <a16:creationId xmlns:a16="http://schemas.microsoft.com/office/drawing/2014/main" id="{DF6CA8DE-9569-EA4B-9ED9-68457398F37C}"/>
+                  </a:ext>
+                </a:extLst>
+              </p:cNvPr>
+              <p:cNvSpPr txBox="1"/>
+              <p:nvPr/>
+            </p:nvSpPr>
+            <p:spPr>
+              <a:xfrm>
+                <a:off x="1600200" y="4985061"/>
+                <a:ext cx="3886200" cy="369332"/>
+              </a:xfrm>
+              <a:prstGeom prst="rect">
+                <a:avLst/>
+              </a:prstGeom>
+              <a:noFill/>
+            </p:spPr>
+            <p:txBody>
+              <a:bodyPr wrap="square" rtlCol="0">
+                <a:spAutoFit/>
+              </a:bodyPr>
+              <a:lstStyle/>
+              <a:p>
+                <a:r>
+                  <a:rPr lang="en-US" b="1" dirty="0">
+                    <a:solidFill>
+                      <a:srgbClr val="00B050"/>
+                    </a:solidFill>
+                  </a:rPr>
+                  <a:t>// declare a function</a:t>
+                </a:r>
+              </a:p>
+            </p:txBody>
+          </p:sp>
+        </p:grpSp>
+      </p:grpSp>
+      <p:grpSp>
+        <p:nvGrpSpPr>
+          <p:cNvPr id="15" name="Group 14">
+            <a:extLst>
+              <a:ext uri="{FF2B5EF4-FFF2-40B4-BE49-F238E27FC236}">
+                <a16:creationId xmlns:a16="http://schemas.microsoft.com/office/drawing/2014/main" id="{7A94FAAB-7941-DE4D-A71A-49476E7FA3D5}"/>
+              </a:ext>
+            </a:extLst>
+          </p:cNvPr>
+          <p:cNvGrpSpPr/>
+          <p:nvPr/>
+        </p:nvGrpSpPr>
+        <p:grpSpPr>
+          <a:xfrm>
+            <a:off x="1072166" y="5677840"/>
+            <a:ext cx="6477000" cy="923330"/>
+            <a:chOff x="1072166" y="5677840"/>
+            <a:chExt cx="6477000" cy="923330"/>
+          </a:xfrm>
+        </p:grpSpPr>
+        <p:sp>
+          <p:nvSpPr>
+            <p:cNvPr id="7" name="TextBox 6">
+              <a:extLst>
+                <a:ext uri="{FF2B5EF4-FFF2-40B4-BE49-F238E27FC236}">
+                  <a16:creationId xmlns:a16="http://schemas.microsoft.com/office/drawing/2014/main" id="{8BF1CA97-96C9-3A47-83E1-E97A4E43AEF1}"/>
+                </a:ext>
+              </a:extLst>
+            </p:cNvPr>
+            <p:cNvSpPr txBox="1"/>
+            <p:nvPr/>
+          </p:nvSpPr>
+          <p:spPr>
+            <a:xfrm>
+              <a:off x="5110766" y="5704803"/>
+              <a:ext cx="2438400" cy="369332"/>
+            </a:xfrm>
+            <a:prstGeom prst="rect">
+              <a:avLst/>
+            </a:prstGeom>
+            <a:noFill/>
+          </p:spPr>
+          <p:txBody>
+            <a:bodyPr wrap="square" rtlCol="0">
+              <a:spAutoFit/>
+            </a:bodyPr>
+            <a:lstStyle/>
+            <a:p>
+              <a:r>
+                <a:rPr lang="en-US" b="1" dirty="0">
+                  <a:solidFill>
+                    <a:srgbClr val="00B050"/>
+                  </a:solidFill>
+                </a:rPr>
+                <a:t>x = 10; </a:t>
+              </a:r>
+            </a:p>
+          </p:txBody>
+        </p:sp>
+        <p:sp>
+          <p:nvSpPr>
+            <p:cNvPr id="11" name="TextBox 10">
+              <a:extLst>
+                <a:ext uri="{FF2B5EF4-FFF2-40B4-BE49-F238E27FC236}">
+                  <a16:creationId xmlns:a16="http://schemas.microsoft.com/office/drawing/2014/main" id="{00D66828-B92E-D648-B3B3-1462A0601F30}"/>
+                </a:ext>
+              </a:extLst>
+            </p:cNvPr>
+            <p:cNvSpPr txBox="1"/>
+            <p:nvPr/>
+          </p:nvSpPr>
+          <p:spPr>
+            <a:xfrm>
+              <a:off x="1072166" y="5677840"/>
+              <a:ext cx="2438400" cy="923330"/>
+            </a:xfrm>
+            <a:prstGeom prst="rect">
+              <a:avLst/>
+            </a:prstGeom>
+            <a:noFill/>
+          </p:spPr>
+          <p:txBody>
+            <a:bodyPr wrap="square" rtlCol="0">
+              <a:spAutoFit/>
+            </a:bodyPr>
+            <a:lstStyle/>
+            <a:p>
+              <a:r>
+                <a:rPr lang="en-US" b="1" dirty="0">
+                  <a:solidFill>
+                    <a:srgbClr val="00B050"/>
+                  </a:solidFill>
+                </a:rPr>
+                <a:t>int fun1(){</a:t>
+              </a:r>
+            </a:p>
+            <a:p>
+              <a:r>
+                <a:rPr lang="en-US" b="1" dirty="0">
+                  <a:solidFill>
+                    <a:srgbClr val="00B050"/>
+                  </a:solidFill>
+                </a:rPr>
+                <a:t>	</a:t>
+              </a:r>
+              <a:r>
+                <a:rPr lang="en-US" b="1" dirty="0" err="1">
+                  <a:solidFill>
+                    <a:srgbClr val="00B050"/>
+                  </a:solidFill>
+                </a:rPr>
+                <a:t>cout</a:t>
+              </a:r>
+              <a:r>
+                <a:rPr lang="en-US" b="1" dirty="0">
+                  <a:solidFill>
+                    <a:srgbClr val="00B050"/>
+                  </a:solidFill>
+                </a:rPr>
+                <a:t>&lt;&lt;”hi”;</a:t>
+              </a:r>
+            </a:p>
+            <a:p>
+              <a:r>
+                <a:rPr lang="en-US" b="1" dirty="0">
+                  <a:solidFill>
+                    <a:srgbClr val="00B050"/>
+                  </a:solidFill>
+                </a:rPr>
+                <a:t>} </a:t>
+              </a:r>
+            </a:p>
+          </p:txBody>
+        </p:sp>
+      </p:grpSp>
+    </p:spTree>
+    <p:extLst>
+      <p:ext uri="{BB962C8B-B14F-4D97-AF65-F5344CB8AC3E}">
+        <p14:creationId xmlns:p14="http://schemas.microsoft.com/office/powerpoint/2010/main" val="2409735223"/>
+      </p:ext>
+    </p:extLst>
+  </p:cSld>
+  <p:clrMapOvr>
+    <a:masterClrMapping/>
+  </p:clrMapOvr>
+  <p:timing>
+    <p:tnLst>
+      <p:par>
+        <p:cTn id="1" dur="indefinite" restart="never" nodeType="tmRoot">
+          <p:childTnLst>
+            <p:seq concurrent="1" nextAc="seek">
+              <p:cTn id="2" dur="indefinite" nodeType="mainSeq">
+                <p:childTnLst>
+                  <p:par>
+                    <p:cTn id="3" fill="hold">
+                      <p:stCondLst>
+                        <p:cond delay="indefinite"/>
+                      </p:stCondLst>
+                      <p:childTnLst>
+                        <p:par>
+                          <p:cTn id="4" fill="hold">
+                            <p:stCondLst>
+                              <p:cond delay="0"/>
+                            </p:stCondLst>
+                            <p:childTnLst>
+                              <p:par>
+                                <p:cTn id="5" presetID="1" presetClass="entr" presetSubtype="0" fill="hold" nodeType="clickEffect">
+                                  <p:stCondLst>
+                                    <p:cond delay="0"/>
+                                  </p:stCondLst>
+                                  <p:childTnLst>
+                                    <p:set>
+                                      <p:cBhvr>
+                                        <p:cTn id="6" dur="1" fill="hold">
+                                          <p:stCondLst>
+                                            <p:cond delay="0"/>
+                                          </p:stCondLst>
+                                        </p:cTn>
+                                        <p:tgtEl>
+                                          <p:spTgt spid="14"/>
+                                        </p:tgtEl>
+                                        <p:attrNameLst>
+                                          <p:attrName>style.visibility</p:attrName>
+                                        </p:attrNameLst>
+                                      </p:cBhvr>
+                                      <p:to>
+                                        <p:strVal val="visible"/>
+                                      </p:to>
+                                    </p:set>
+                                  </p:childTnLst>
+                                </p:cTn>
+                              </p:par>
+                            </p:childTnLst>
+                          </p:cTn>
+                        </p:par>
+                      </p:childTnLst>
+                    </p:cTn>
+                  </p:par>
+                  <p:par>
+                    <p:cTn id="7" fill="hold">
+                      <p:stCondLst>
+                        <p:cond delay="indefinite"/>
+                      </p:stCondLst>
+                      <p:childTnLst>
+                        <p:par>
+                          <p:cTn id="8" fill="hold">
+                            <p:stCondLst>
+                              <p:cond delay="0"/>
+                            </p:stCondLst>
+                            <p:childTnLst>
+                              <p:par>
+                                <p:cTn id="9" presetID="1" presetClass="entr" presetSubtype="0" fill="hold" nodeType="clickEffect">
+                                  <p:stCondLst>
+                                    <p:cond delay="0"/>
+                                  </p:stCondLst>
+                                  <p:childTnLst>
+                                    <p:set>
+                                      <p:cBhvr>
+                                        <p:cTn id="10" dur="1" fill="hold">
+                                          <p:stCondLst>
+                                            <p:cond delay="0"/>
+                                          </p:stCondLst>
+                                        </p:cTn>
+                                        <p:tgtEl>
+                                          <p:spTgt spid="15"/>
+                                        </p:tgtEl>
+                                        <p:attrNameLst>
+                                          <p:attrName>style.visibility</p:attrName>
+                                        </p:attrNameLst>
+                                      </p:cBhvr>
+                                      <p:to>
+                                        <p:strVal val="visible"/>
+                                      </p:to>
+                                    </p:set>
+                                  </p:childTnLst>
+                                </p:cTn>
+                              </p:par>
+                            </p:childTnLst>
+                          </p:cTn>
+                        </p:par>
+                      </p:childTnLst>
+                    </p:cTn>
+                  </p:par>
+                </p:childTnLst>
+              </p:cTn>
+              <p:prevCondLst>
+                <p:cond evt="onPrev" delay="0">
+                  <p:tgtEl>
+                    <p:sldTgt/>
+                  </p:tgtEl>
+                </p:cond>
+              </p:prevCondLst>
+              <p:nextCondLst>
+                <p:cond evt="onNext" delay="0">
+                  <p:tgtEl>
+                    <p:sldTgt/>
+                  </p:tgtEl>
+                </p:cond>
+              </p:nextCondLst>
+            </p:seq>
+          </p:childTnLst>
+        </p:cTn>
+      </p:par>
+    </p:tnLst>
+  </p:timing>
+</p:sld>
+</file>
+
+<file path=ppt/slides/slide19.xml><?xml version="1.0" encoding="utf-8"?>
+<p:sld xmlns:a="http://schemas.openxmlformats.org/drawingml/2006/main" xmlns:r="http://schemas.openxmlformats.org/officeDocument/2006/relationships" xmlns:p="http://schemas.openxmlformats.org/presentationml/2006/main">
+  <p:cSld>
+    <p:spTree>
+      <p:nvGrpSpPr>
+        <p:cNvPr id="1" name=""/>
+        <p:cNvGrpSpPr/>
+        <p:nvPr/>
+      </p:nvGrpSpPr>
+      <p:grpSpPr>
+        <a:xfrm>
+          <a:off x="0" y="0"/>
+          <a:ext cx="0" cy="0"/>
+          <a:chOff x="0" y="0"/>
+          <a:chExt cx="0" cy="0"/>
+        </a:xfrm>
+      </p:grpSpPr>
+      <p:sp>
+        <p:nvSpPr>
+          <p:cNvPr id="2" name="Title 1"/>
+          <p:cNvSpPr>
+            <a:spLocks noGrp="1"/>
+          </p:cNvSpPr>
+          <p:nvPr>
+            <p:ph type="title"/>
+          </p:nvPr>
+        </p:nvSpPr>
+        <p:spPr>
+          <a:xfrm>
+            <a:off x="457200" y="274638"/>
+            <a:ext cx="8229600" cy="792162"/>
+          </a:xfrm>
+        </p:spPr>
+        <p:txBody>
+          <a:bodyPr/>
+          <a:lstStyle/>
+          <a:p>
+            <a:pPr>
+              <a:defRPr/>
+            </a:pPr>
+            <a:r>
+              <a:rPr lang="en-US" dirty="0"/>
+              <a:t>Prototypes and Organization</a:t>
+            </a:r>
+          </a:p>
+        </p:txBody>
+      </p:sp>
+      <p:sp>
+        <p:nvSpPr>
+          <p:cNvPr id="3" name="Content Placeholder 2"/>
+          <p:cNvSpPr>
+            <a:spLocks noGrp="1"/>
+          </p:cNvSpPr>
+          <p:nvPr>
+            <p:ph idx="1"/>
+          </p:nvPr>
+        </p:nvSpPr>
+        <p:spPr>
+          <a:xfrm>
+            <a:off x="457200" y="1066800"/>
+            <a:ext cx="8229600" cy="5638800"/>
+          </a:xfrm>
+        </p:spPr>
+        <p:txBody>
+          <a:bodyPr/>
+          <a:lstStyle/>
+          <a:p>
+            <a:pPr>
+              <a:buFont typeface="Arial" charset="0"/>
+              <a:buNone/>
+              <a:defRPr/>
+            </a:pPr>
+            <a:r>
+              <a:rPr lang="en-US" sz="1600" dirty="0">
+                <a:solidFill>
+                  <a:schemeClr val="accent4"/>
+                </a:solidFill>
+                <a:latin typeface="Courier New" pitchFamily="49" charset="0"/>
+                <a:cs typeface="Courier New" pitchFamily="49" charset="0"/>
+              </a:rPr>
+              <a:t>// declare a function</a:t>
+            </a:r>
+          </a:p>
+          <a:p>
+            <a:pPr>
+              <a:buFont typeface="Arial" charset="0"/>
+              <a:buNone/>
+              <a:defRPr/>
+            </a:pPr>
+            <a:r>
+              <a:rPr lang="en-US" sz="1600" dirty="0">
+                <a:solidFill>
+                  <a:schemeClr val="accent4"/>
+                </a:solidFill>
+                <a:latin typeface="Courier New" pitchFamily="49" charset="0"/>
+                <a:cs typeface="Courier New" pitchFamily="49" charset="0"/>
+              </a:rPr>
+              <a:t>double </a:t>
+            </a:r>
+            <a:r>
+              <a:rPr lang="en-US" sz="1600" dirty="0" err="1">
+                <a:solidFill>
+                  <a:schemeClr val="accent4"/>
+                </a:solidFill>
+                <a:latin typeface="Courier New" pitchFamily="49" charset="0"/>
+                <a:cs typeface="Courier New" pitchFamily="49" charset="0"/>
+              </a:rPr>
+              <a:t>get_side</a:t>
+            </a:r>
+            <a:r>
+              <a:rPr lang="en-US" sz="1600" dirty="0">
+                <a:solidFill>
+                  <a:schemeClr val="accent4"/>
+                </a:solidFill>
+                <a:latin typeface="Courier New" pitchFamily="49" charset="0"/>
+                <a:cs typeface="Courier New" pitchFamily="49" charset="0"/>
+              </a:rPr>
+              <a:t>();</a:t>
+            </a:r>
+          </a:p>
+          <a:p>
+            <a:pPr>
+              <a:buFont typeface="Arial" charset="0"/>
+              <a:buNone/>
+              <a:defRPr/>
+            </a:pPr>
+            <a:endParaRPr lang="en-US" sz="1600" dirty="0">
+              <a:solidFill>
+                <a:schemeClr val="accent4"/>
+              </a:solidFill>
+              <a:latin typeface="Courier New" pitchFamily="49" charset="0"/>
+              <a:cs typeface="Courier New" pitchFamily="49" charset="0"/>
+            </a:endParaRPr>
+          </a:p>
+          <a:p>
+            <a:pPr>
+              <a:buNone/>
+              <a:defRPr/>
+            </a:pPr>
+            <a:r>
+              <a:rPr lang="en-US" sz="1600" dirty="0">
+                <a:solidFill>
+                  <a:schemeClr val="accent4"/>
+                </a:solidFill>
+                <a:latin typeface="Courier New" pitchFamily="49" charset="0"/>
+                <a:cs typeface="Courier New" pitchFamily="49" charset="0"/>
+              </a:rPr>
+              <a:t>// define a function </a:t>
+            </a:r>
+          </a:p>
+          <a:p>
+            <a:pPr>
+              <a:buNone/>
+              <a:defRPr/>
+            </a:pPr>
+            <a:r>
+              <a:rPr lang="en-US" sz="1600" dirty="0">
+                <a:solidFill>
+                  <a:schemeClr val="accent4"/>
+                </a:solidFill>
+                <a:latin typeface="Courier New" pitchFamily="49" charset="0"/>
+                <a:cs typeface="Courier New" pitchFamily="49" charset="0"/>
+              </a:rPr>
+              <a:t>double </a:t>
+            </a:r>
+            <a:r>
+              <a:rPr lang="en-US" sz="1600" dirty="0" err="1">
+                <a:solidFill>
+                  <a:schemeClr val="accent4"/>
+                </a:solidFill>
+                <a:latin typeface="Courier New" pitchFamily="49" charset="0"/>
+                <a:cs typeface="Courier New" pitchFamily="49" charset="0"/>
+              </a:rPr>
+              <a:t>get_side</a:t>
+            </a:r>
+            <a:r>
+              <a:rPr lang="en-US" sz="1600" dirty="0">
+                <a:solidFill>
+                  <a:schemeClr val="accent4"/>
+                </a:solidFill>
+                <a:latin typeface="Courier New" pitchFamily="49" charset="0"/>
+                <a:cs typeface="Courier New" pitchFamily="49" charset="0"/>
+              </a:rPr>
+              <a:t>()</a:t>
+            </a:r>
+          </a:p>
+          <a:p>
+            <a:pPr>
+              <a:buNone/>
+              <a:defRPr/>
+            </a:pPr>
+            <a:r>
+              <a:rPr lang="en-US" sz="1600" dirty="0">
+                <a:solidFill>
+                  <a:schemeClr val="accent4"/>
+                </a:solidFill>
+                <a:latin typeface="Courier New" pitchFamily="49" charset="0"/>
+                <a:cs typeface="Courier New" pitchFamily="49" charset="0"/>
+              </a:rPr>
+              <a:t>{</a:t>
+            </a:r>
+          </a:p>
+          <a:p>
+            <a:pPr>
+              <a:buNone/>
+              <a:defRPr/>
+            </a:pPr>
+            <a:r>
+              <a:rPr lang="en-US" sz="1600" dirty="0">
+                <a:solidFill>
+                  <a:schemeClr val="accent4"/>
+                </a:solidFill>
+                <a:latin typeface="Courier New" pitchFamily="49" charset="0"/>
+                <a:cs typeface="Courier New" pitchFamily="49" charset="0"/>
+              </a:rPr>
+              <a:t>	double input;</a:t>
+            </a:r>
+          </a:p>
+          <a:p>
+            <a:pPr>
+              <a:buNone/>
+              <a:defRPr/>
+            </a:pPr>
+            <a:r>
+              <a:rPr lang="en-US" sz="1600" dirty="0">
+                <a:solidFill>
+                  <a:schemeClr val="accent4"/>
+                </a:solidFill>
+                <a:latin typeface="Courier New" pitchFamily="49" charset="0"/>
+                <a:cs typeface="Courier New" pitchFamily="49" charset="0"/>
+              </a:rPr>
+              <a:t>	</a:t>
+            </a:r>
+            <a:r>
+              <a:rPr lang="en-US" sz="1600" dirty="0" err="1">
+                <a:solidFill>
+                  <a:schemeClr val="accent4"/>
+                </a:solidFill>
+                <a:latin typeface="Courier New" pitchFamily="49" charset="0"/>
+                <a:cs typeface="Courier New" pitchFamily="49" charset="0"/>
+              </a:rPr>
+              <a:t>cout</a:t>
+            </a:r>
+            <a:r>
+              <a:rPr lang="en-US" sz="1600" dirty="0">
+                <a:solidFill>
+                  <a:schemeClr val="accent4"/>
+                </a:solidFill>
+                <a:latin typeface="Courier New" pitchFamily="49" charset="0"/>
+                <a:cs typeface="Courier New" pitchFamily="49" charset="0"/>
+              </a:rPr>
+              <a:t> &lt;&lt; "Please enter a side of the triangle: ";</a:t>
+            </a:r>
+          </a:p>
+          <a:p>
+            <a:pPr>
+              <a:buNone/>
+              <a:defRPr/>
+            </a:pPr>
+            <a:r>
+              <a:rPr lang="en-US" sz="1600" dirty="0">
+                <a:solidFill>
+                  <a:schemeClr val="accent4"/>
+                </a:solidFill>
+                <a:latin typeface="Courier New" pitchFamily="49" charset="0"/>
+                <a:cs typeface="Courier New" pitchFamily="49" charset="0"/>
+              </a:rPr>
+              <a:t>	</a:t>
+            </a:r>
+            <a:r>
+              <a:rPr lang="en-US" sz="1600" dirty="0" err="1">
+                <a:solidFill>
+                  <a:schemeClr val="accent4"/>
+                </a:solidFill>
+                <a:latin typeface="Courier New" pitchFamily="49" charset="0"/>
+                <a:cs typeface="Courier New" pitchFamily="49" charset="0"/>
+              </a:rPr>
+              <a:t>cin</a:t>
+            </a:r>
+            <a:r>
+              <a:rPr lang="en-US" sz="1600" dirty="0">
+                <a:solidFill>
+                  <a:schemeClr val="accent4"/>
+                </a:solidFill>
+                <a:latin typeface="Courier New" pitchFamily="49" charset="0"/>
+                <a:cs typeface="Courier New" pitchFamily="49" charset="0"/>
+              </a:rPr>
+              <a:t> &gt;&gt; input;</a:t>
+            </a:r>
+          </a:p>
+          <a:p>
+            <a:pPr>
+              <a:buNone/>
+              <a:defRPr/>
+            </a:pPr>
+            <a:r>
+              <a:rPr lang="en-US" sz="1600" dirty="0">
+                <a:solidFill>
+                  <a:schemeClr val="accent4"/>
+                </a:solidFill>
+                <a:latin typeface="Courier New" pitchFamily="49" charset="0"/>
+                <a:cs typeface="Courier New" pitchFamily="49" charset="0"/>
+              </a:rPr>
+              <a:t>	return input;</a:t>
+            </a:r>
+          </a:p>
+          <a:p>
+            <a:pPr>
+              <a:buNone/>
+              <a:defRPr/>
+            </a:pPr>
+            <a:r>
+              <a:rPr lang="en-US" sz="1600" dirty="0">
+                <a:solidFill>
+                  <a:schemeClr val="accent4"/>
+                </a:solidFill>
+                <a:latin typeface="Courier New" pitchFamily="49" charset="0"/>
+                <a:cs typeface="Courier New" pitchFamily="49" charset="0"/>
+              </a:rPr>
+              <a:t>}</a:t>
+            </a:r>
+          </a:p>
+          <a:p>
+            <a:pPr>
+              <a:buFont typeface="Arial" charset="0"/>
+              <a:buNone/>
+              <a:defRPr/>
+            </a:pPr>
+            <a:endParaRPr lang="en-US" sz="1600" dirty="0">
+              <a:solidFill>
+                <a:schemeClr val="accent4"/>
+              </a:solidFill>
+              <a:latin typeface="Courier New" pitchFamily="49" charset="0"/>
+              <a:cs typeface="Courier New" pitchFamily="49" charset="0"/>
+            </a:endParaRPr>
+          </a:p>
+          <a:p>
+            <a:pPr>
+              <a:buFont typeface="Arial" charset="0"/>
+              <a:buNone/>
+              <a:defRPr/>
+            </a:pPr>
+            <a:r>
+              <a:rPr lang="en-US" sz="1600" dirty="0" err="1">
+                <a:solidFill>
+                  <a:schemeClr val="accent4"/>
+                </a:solidFill>
+                <a:latin typeface="Courier New" pitchFamily="49" charset="0"/>
+                <a:cs typeface="Courier New" pitchFamily="49" charset="0"/>
+              </a:rPr>
+              <a:t>int</a:t>
+            </a:r>
+            <a:r>
+              <a:rPr lang="en-US" sz="1600" dirty="0">
+                <a:solidFill>
+                  <a:schemeClr val="accent4"/>
+                </a:solidFill>
+                <a:latin typeface="Courier New" pitchFamily="49" charset="0"/>
+                <a:cs typeface="Courier New" pitchFamily="49" charset="0"/>
+              </a:rPr>
+              <a:t> main()</a:t>
+            </a:r>
+          </a:p>
+          <a:p>
+            <a:pPr>
+              <a:buFont typeface="Arial" charset="0"/>
+              <a:buNone/>
+              <a:defRPr/>
+            </a:pPr>
+            <a:r>
+              <a:rPr lang="en-US" sz="1600" dirty="0">
+                <a:solidFill>
+                  <a:schemeClr val="accent4"/>
+                </a:solidFill>
+                <a:latin typeface="Courier New" pitchFamily="49" charset="0"/>
+                <a:cs typeface="Courier New" pitchFamily="49" charset="0"/>
+              </a:rPr>
+              <a:t>{</a:t>
+            </a:r>
+          </a:p>
+          <a:p>
+            <a:pPr>
+              <a:buFont typeface="Arial" charset="0"/>
+              <a:buNone/>
+              <a:defRPr/>
+            </a:pPr>
+            <a:r>
+              <a:rPr lang="en-US" sz="1600" dirty="0">
+                <a:solidFill>
+                  <a:schemeClr val="accent4"/>
+                </a:solidFill>
+                <a:latin typeface="Courier New" pitchFamily="49" charset="0"/>
+                <a:cs typeface="Courier New" pitchFamily="49" charset="0"/>
+              </a:rPr>
+              <a:t>	double x;</a:t>
+            </a:r>
+          </a:p>
+          <a:p>
+            <a:pPr>
+              <a:buFont typeface="Arial" charset="0"/>
+              <a:buNone/>
+              <a:defRPr/>
+            </a:pPr>
+            <a:r>
+              <a:rPr lang="en-US" sz="1600" dirty="0">
+                <a:solidFill>
+                  <a:schemeClr val="accent4"/>
+                </a:solidFill>
+                <a:latin typeface="Courier New" pitchFamily="49" charset="0"/>
+                <a:cs typeface="Courier New" pitchFamily="49" charset="0"/>
+              </a:rPr>
+              <a:t>	// call</a:t>
+            </a:r>
+          </a:p>
+          <a:p>
+            <a:pPr>
+              <a:buFont typeface="Arial" charset="0"/>
+              <a:buNone/>
+              <a:defRPr/>
+            </a:pPr>
+            <a:r>
+              <a:rPr lang="en-US" sz="1600" dirty="0">
+                <a:solidFill>
+                  <a:schemeClr val="accent4"/>
+                </a:solidFill>
+                <a:latin typeface="Courier New" pitchFamily="49" charset="0"/>
+                <a:cs typeface="Courier New" pitchFamily="49" charset="0"/>
+              </a:rPr>
+              <a:t>	x = </a:t>
+            </a:r>
+            <a:r>
+              <a:rPr lang="en-US" sz="1600" dirty="0" err="1">
+                <a:solidFill>
+                  <a:schemeClr val="accent4"/>
+                </a:solidFill>
+                <a:latin typeface="Courier New" pitchFamily="49" charset="0"/>
+                <a:cs typeface="Courier New" pitchFamily="49" charset="0"/>
+              </a:rPr>
+              <a:t>get_side</a:t>
+            </a:r>
+            <a:r>
+              <a:rPr lang="en-US" sz="1600" dirty="0">
+                <a:solidFill>
+                  <a:schemeClr val="accent4"/>
+                </a:solidFill>
+                <a:latin typeface="Courier New" pitchFamily="49" charset="0"/>
+                <a:cs typeface="Courier New" pitchFamily="49" charset="0"/>
+              </a:rPr>
+              <a:t>();</a:t>
+            </a:r>
+          </a:p>
+          <a:p>
+            <a:pPr>
+              <a:buFont typeface="Arial" charset="0"/>
+              <a:buNone/>
+              <a:defRPr/>
+            </a:pPr>
+            <a:r>
+              <a:rPr lang="en-US" sz="1600" dirty="0">
+                <a:solidFill>
+                  <a:schemeClr val="accent4"/>
+                </a:solidFill>
+                <a:latin typeface="Courier New" pitchFamily="49" charset="0"/>
+                <a:cs typeface="Courier New" pitchFamily="49" charset="0"/>
+              </a:rPr>
+              <a:t>	return 0;</a:t>
+            </a:r>
+          </a:p>
+          <a:p>
+            <a:pPr>
+              <a:buFont typeface="Arial" charset="0"/>
+              <a:buNone/>
+              <a:defRPr/>
+            </a:pPr>
+            <a:r>
+              <a:rPr lang="en-US" sz="1600" dirty="0">
+                <a:solidFill>
+                  <a:schemeClr val="accent4"/>
+                </a:solidFill>
+                <a:latin typeface="Courier New" pitchFamily="49" charset="0"/>
+                <a:cs typeface="Courier New" pitchFamily="49" charset="0"/>
+              </a:rPr>
+              <a:t>}</a:t>
+            </a:r>
+          </a:p>
+          <a:p>
+            <a:pPr>
+              <a:buFont typeface="Arial" charset="0"/>
+              <a:buNone/>
+              <a:defRPr/>
+            </a:pPr>
+            <a:endParaRPr lang="en-US" sz="1600" dirty="0">
+              <a:solidFill>
+                <a:schemeClr val="accent4"/>
+              </a:solidFill>
+              <a:latin typeface="Courier New" pitchFamily="49" charset="0"/>
+              <a:cs typeface="Courier New" pitchFamily="49" charset="0"/>
+            </a:endParaRPr>
+          </a:p>
+        </p:txBody>
+      </p:sp>
+    </p:spTree>
+    <p:extLst>
+      <p:ext uri="{BB962C8B-B14F-4D97-AF65-F5344CB8AC3E}">
+        <p14:creationId xmlns:p14="http://schemas.microsoft.com/office/powerpoint/2010/main" val="1372081198"/>
+      </p:ext>
+    </p:extLst>
   </p:cSld>
   <p:clrMapOvr>
     <a:masterClrMapping/>
@@ -7897,6 +9379,681 @@
         </p:txBody>
       </p:sp>
     </p:spTree>
+  </p:cSld>
+  <p:clrMapOvr>
+    <a:masterClrMapping/>
+  </p:clrMapOvr>
+</p:sld>
+</file>
+
+<file path=ppt/slides/slide20.xml><?xml version="1.0" encoding="utf-8"?>
+<p:sld xmlns:a="http://schemas.openxmlformats.org/drawingml/2006/main" xmlns:r="http://schemas.openxmlformats.org/officeDocument/2006/relationships" xmlns:p="http://schemas.openxmlformats.org/presentationml/2006/main">
+  <p:cSld>
+    <p:spTree>
+      <p:nvGrpSpPr>
+        <p:cNvPr id="1" name=""/>
+        <p:cNvGrpSpPr/>
+        <p:nvPr/>
+      </p:nvGrpSpPr>
+      <p:grpSpPr>
+        <a:xfrm>
+          <a:off x="0" y="0"/>
+          <a:ext cx="0" cy="0"/>
+          <a:chOff x="0" y="0"/>
+          <a:chExt cx="0" cy="0"/>
+        </a:xfrm>
+      </p:grpSpPr>
+      <p:sp>
+        <p:nvSpPr>
+          <p:cNvPr id="2" name="Title 1"/>
+          <p:cNvSpPr>
+            <a:spLocks noGrp="1"/>
+          </p:cNvSpPr>
+          <p:nvPr>
+            <p:ph type="title"/>
+          </p:nvPr>
+        </p:nvSpPr>
+        <p:spPr/>
+        <p:txBody>
+          <a:bodyPr/>
+          <a:lstStyle/>
+          <a:p>
+            <a:pPr>
+              <a:defRPr/>
+            </a:pPr>
+            <a:r>
+              <a:rPr lang="en-US" dirty="0"/>
+              <a:t>Exercise 1</a:t>
+            </a:r>
+          </a:p>
+        </p:txBody>
+      </p:sp>
+      <p:sp>
+        <p:nvSpPr>
+          <p:cNvPr id="3" name="Content Placeholder 2"/>
+          <p:cNvSpPr>
+            <a:spLocks noGrp="1"/>
+          </p:cNvSpPr>
+          <p:nvPr>
+            <p:ph idx="1"/>
+          </p:nvPr>
+        </p:nvSpPr>
+        <p:spPr/>
+        <p:txBody>
+          <a:bodyPr/>
+          <a:lstStyle/>
+          <a:p>
+            <a:pPr>
+              <a:defRPr/>
+            </a:pPr>
+            <a:r>
+              <a:rPr lang="en-US" sz="2400" dirty="0"/>
+              <a:t>Write the prototype for a function that takes in a string and a number </a:t>
+            </a:r>
+            <a:r>
+              <a:rPr lang="en-US" sz="2400" i="1" dirty="0"/>
+              <a:t>n</a:t>
+            </a:r>
+            <a:r>
+              <a:rPr lang="en-US" sz="2400" dirty="0"/>
+              <a:t> and returns the </a:t>
+            </a:r>
+            <a:r>
+              <a:rPr lang="en-US" sz="2400" i="1" dirty="0"/>
+              <a:t>nth</a:t>
+            </a:r>
+            <a:r>
+              <a:rPr lang="en-US" sz="2400" dirty="0"/>
+              <a:t> word in the string</a:t>
+            </a:r>
+          </a:p>
+          <a:p>
+            <a:pPr lvl="1">
+              <a:defRPr/>
+            </a:pPr>
+            <a:r>
+              <a:rPr lang="en-US" sz="2400" dirty="0">
+                <a:cs typeface="Courier New" pitchFamily="49" charset="0"/>
+              </a:rPr>
+              <a:t>Name: </a:t>
+            </a:r>
+            <a:r>
+              <a:rPr lang="en-US" sz="2400" dirty="0" err="1">
+                <a:solidFill>
+                  <a:schemeClr val="accent4"/>
+                </a:solidFill>
+                <a:latin typeface="Courier New" pitchFamily="49" charset="0"/>
+                <a:cs typeface="Courier New" pitchFamily="49" charset="0"/>
+              </a:rPr>
+              <a:t>nth_word</a:t>
+            </a:r>
+            <a:endParaRPr lang="en-US" sz="2400" dirty="0">
+              <a:solidFill>
+                <a:schemeClr val="accent4"/>
+              </a:solidFill>
+              <a:latin typeface="Courier New" pitchFamily="49" charset="0"/>
+              <a:cs typeface="Courier New" pitchFamily="49" charset="0"/>
+            </a:endParaRPr>
+          </a:p>
+          <a:p>
+            <a:pPr lvl="1">
+              <a:defRPr/>
+            </a:pPr>
+            <a:r>
+              <a:rPr lang="en-US" sz="2400" dirty="0">
+                <a:cs typeface="Courier New" pitchFamily="49" charset="0"/>
+              </a:rPr>
+              <a:t>Parameters: </a:t>
+            </a:r>
+            <a:r>
+              <a:rPr lang="en-US" sz="2400" dirty="0">
+                <a:solidFill>
+                  <a:schemeClr val="accent4"/>
+                </a:solidFill>
+                <a:latin typeface="Courier New" pitchFamily="49" charset="0"/>
+                <a:cs typeface="Courier New" pitchFamily="49" charset="0"/>
+              </a:rPr>
+              <a:t>1 string, 1 number</a:t>
+            </a:r>
+          </a:p>
+          <a:p>
+            <a:pPr lvl="1">
+              <a:defRPr/>
+            </a:pPr>
+            <a:r>
+              <a:rPr lang="en-US" sz="2400" dirty="0">
+                <a:cs typeface="Courier New" pitchFamily="49" charset="0"/>
+              </a:rPr>
+              <a:t>Return value: </a:t>
+            </a:r>
+            <a:r>
+              <a:rPr lang="en-US" sz="2400" dirty="0">
+                <a:solidFill>
+                  <a:schemeClr val="accent4"/>
+                </a:solidFill>
+                <a:latin typeface="Courier New" pitchFamily="49" charset="0"/>
+                <a:cs typeface="Courier New" pitchFamily="49" charset="0"/>
+              </a:rPr>
+              <a:t>1 string</a:t>
+            </a:r>
+          </a:p>
+          <a:p>
+            <a:pPr>
+              <a:defRPr/>
+            </a:pPr>
+            <a:endParaRPr lang="en-US" dirty="0">
+              <a:solidFill>
+                <a:schemeClr val="accent4"/>
+              </a:solidFill>
+              <a:latin typeface="Courier New" pitchFamily="49" charset="0"/>
+              <a:cs typeface="Courier New" pitchFamily="49" charset="0"/>
+            </a:endParaRPr>
+          </a:p>
+        </p:txBody>
+      </p:sp>
+    </p:spTree>
+    <p:extLst>
+      <p:ext uri="{BB962C8B-B14F-4D97-AF65-F5344CB8AC3E}">
+        <p14:creationId xmlns:p14="http://schemas.microsoft.com/office/powerpoint/2010/main" val="2502367318"/>
+      </p:ext>
+    </p:extLst>
+  </p:cSld>
+  <p:clrMapOvr>
+    <a:masterClrMapping/>
+  </p:clrMapOvr>
+</p:sld>
+</file>
+
+<file path=ppt/slides/slide21.xml><?xml version="1.0" encoding="utf-8"?>
+<p:sld xmlns:a="http://schemas.openxmlformats.org/drawingml/2006/main" xmlns:r="http://schemas.openxmlformats.org/officeDocument/2006/relationships" xmlns:p="http://schemas.openxmlformats.org/presentationml/2006/main">
+  <p:cSld>
+    <p:spTree>
+      <p:nvGrpSpPr>
+        <p:cNvPr id="1" name=""/>
+        <p:cNvGrpSpPr/>
+        <p:nvPr/>
+      </p:nvGrpSpPr>
+      <p:grpSpPr>
+        <a:xfrm>
+          <a:off x="0" y="0"/>
+          <a:ext cx="0" cy="0"/>
+          <a:chOff x="0" y="0"/>
+          <a:chExt cx="0" cy="0"/>
+        </a:xfrm>
+      </p:grpSpPr>
+      <p:sp>
+        <p:nvSpPr>
+          <p:cNvPr id="2" name="Title 1"/>
+          <p:cNvSpPr>
+            <a:spLocks noGrp="1"/>
+          </p:cNvSpPr>
+          <p:nvPr>
+            <p:ph type="title"/>
+          </p:nvPr>
+        </p:nvSpPr>
+        <p:spPr/>
+        <p:txBody>
+          <a:bodyPr/>
+          <a:lstStyle/>
+          <a:p>
+            <a:pPr>
+              <a:defRPr/>
+            </a:pPr>
+            <a:r>
+              <a:rPr lang="en-US" dirty="0"/>
+              <a:t>Exercise 2</a:t>
+            </a:r>
+          </a:p>
+        </p:txBody>
+      </p:sp>
+      <p:sp>
+        <p:nvSpPr>
+          <p:cNvPr id="3" name="Content Placeholder 2"/>
+          <p:cNvSpPr>
+            <a:spLocks noGrp="1"/>
+          </p:cNvSpPr>
+          <p:nvPr>
+            <p:ph idx="1"/>
+          </p:nvPr>
+        </p:nvSpPr>
+        <p:spPr/>
+        <p:txBody>
+          <a:bodyPr/>
+          <a:lstStyle/>
+          <a:p>
+            <a:pPr>
+              <a:defRPr/>
+            </a:pPr>
+            <a:r>
+              <a:rPr lang="en-US" sz="2400" dirty="0"/>
+              <a:t>Complete the code below:</a:t>
+            </a:r>
+          </a:p>
+          <a:p>
+            <a:pPr>
+              <a:buFont typeface="Arial" charset="0"/>
+              <a:buNone/>
+              <a:defRPr/>
+            </a:pPr>
+            <a:r>
+              <a:rPr lang="en-US" sz="1600" dirty="0">
+                <a:solidFill>
+                  <a:schemeClr val="accent4"/>
+                </a:solidFill>
+                <a:latin typeface="Courier New" pitchFamily="49" charset="0"/>
+                <a:cs typeface="Courier New" pitchFamily="49" charset="0"/>
+              </a:rPr>
+              <a:t>string sentence = “They switched from the </a:t>
+            </a:r>
+            <a:r>
+              <a:rPr lang="en-US" sz="1600" dirty="0" err="1">
+                <a:solidFill>
+                  <a:schemeClr val="accent4"/>
+                </a:solidFill>
+                <a:latin typeface="Courier New" pitchFamily="49" charset="0"/>
+                <a:cs typeface="Courier New" pitchFamily="49" charset="0"/>
+              </a:rPr>
+              <a:t>Swingline</a:t>
+            </a:r>
+            <a:r>
+              <a:rPr lang="en-US" sz="1600" dirty="0">
+                <a:solidFill>
+                  <a:schemeClr val="accent4"/>
+                </a:solidFill>
+                <a:latin typeface="Courier New" pitchFamily="49" charset="0"/>
+                <a:cs typeface="Courier New" pitchFamily="49" charset="0"/>
+              </a:rPr>
+              <a:t> to the Boston stapler, but I kept my </a:t>
+            </a:r>
+            <a:r>
+              <a:rPr lang="en-US" sz="1600" dirty="0" err="1">
+                <a:solidFill>
+                  <a:schemeClr val="accent4"/>
+                </a:solidFill>
+                <a:latin typeface="Courier New" pitchFamily="49" charset="0"/>
+                <a:cs typeface="Courier New" pitchFamily="49" charset="0"/>
+              </a:rPr>
+              <a:t>Swingline</a:t>
+            </a:r>
+            <a:r>
+              <a:rPr lang="en-US" sz="1600" dirty="0">
+                <a:solidFill>
+                  <a:schemeClr val="accent4"/>
+                </a:solidFill>
+                <a:latin typeface="Courier New" pitchFamily="49" charset="0"/>
+                <a:cs typeface="Courier New" pitchFamily="49" charset="0"/>
+              </a:rPr>
+              <a:t> stapler because it didn't bind up as much, and I kept the staples for the </a:t>
+            </a:r>
+            <a:r>
+              <a:rPr lang="en-US" sz="1600" dirty="0" err="1">
+                <a:solidFill>
+                  <a:schemeClr val="accent4"/>
+                </a:solidFill>
+                <a:latin typeface="Courier New" pitchFamily="49" charset="0"/>
+                <a:cs typeface="Courier New" pitchFamily="49" charset="0"/>
+              </a:rPr>
+              <a:t>Swingline</a:t>
+            </a:r>
+            <a:r>
+              <a:rPr lang="en-US" sz="1600" dirty="0">
+                <a:solidFill>
+                  <a:schemeClr val="accent4"/>
+                </a:solidFill>
+                <a:latin typeface="Courier New" pitchFamily="49" charset="0"/>
+                <a:cs typeface="Courier New" pitchFamily="49" charset="0"/>
+              </a:rPr>
+              <a:t> stapler and it's not okay because if they take my stapler then I'll set the building on fire…”;</a:t>
+            </a:r>
+          </a:p>
+          <a:p>
+            <a:pPr>
+              <a:buFont typeface="Arial" charset="0"/>
+              <a:buNone/>
+              <a:defRPr/>
+            </a:pPr>
+            <a:r>
+              <a:rPr lang="en-US" sz="1600" dirty="0">
+                <a:solidFill>
+                  <a:schemeClr val="accent4"/>
+                </a:solidFill>
+                <a:latin typeface="Courier New" pitchFamily="49" charset="0"/>
+                <a:cs typeface="Courier New" pitchFamily="49" charset="0"/>
+              </a:rPr>
+              <a:t>string word;</a:t>
+            </a:r>
+          </a:p>
+          <a:p>
+            <a:pPr>
+              <a:buFont typeface="Arial" charset="0"/>
+              <a:buNone/>
+              <a:defRPr/>
+            </a:pPr>
+            <a:endParaRPr lang="en-US" sz="1600" dirty="0">
+              <a:solidFill>
+                <a:schemeClr val="accent4"/>
+              </a:solidFill>
+              <a:latin typeface="Courier New" pitchFamily="49" charset="0"/>
+              <a:cs typeface="Courier New" pitchFamily="49" charset="0"/>
+            </a:endParaRPr>
+          </a:p>
+          <a:p>
+            <a:pPr>
+              <a:buFont typeface="Arial" charset="0"/>
+              <a:buNone/>
+              <a:defRPr/>
+            </a:pPr>
+            <a:r>
+              <a:rPr lang="en-US" sz="1600" dirty="0">
+                <a:solidFill>
+                  <a:schemeClr val="accent4"/>
+                </a:solidFill>
+                <a:latin typeface="Courier New" pitchFamily="49" charset="0"/>
+                <a:cs typeface="Courier New" pitchFamily="49" charset="0"/>
+              </a:rPr>
+              <a:t>// use the </a:t>
+            </a:r>
+            <a:r>
+              <a:rPr lang="en-US" sz="1600" dirty="0" err="1">
+                <a:solidFill>
+                  <a:schemeClr val="accent4"/>
+                </a:solidFill>
+                <a:latin typeface="Courier New" pitchFamily="49" charset="0"/>
+                <a:cs typeface="Courier New" pitchFamily="49" charset="0"/>
+              </a:rPr>
+              <a:t>nth_word</a:t>
+            </a:r>
+            <a:r>
+              <a:rPr lang="en-US" sz="1600" dirty="0">
+                <a:solidFill>
+                  <a:schemeClr val="accent4"/>
+                </a:solidFill>
+                <a:latin typeface="Courier New" pitchFamily="49" charset="0"/>
+                <a:cs typeface="Courier New" pitchFamily="49" charset="0"/>
+              </a:rPr>
+              <a:t> function to get the 14</a:t>
+            </a:r>
+            <a:r>
+              <a:rPr lang="en-US" sz="1600" baseline="30000" dirty="0">
+                <a:solidFill>
+                  <a:schemeClr val="accent4"/>
+                </a:solidFill>
+                <a:latin typeface="Courier New" pitchFamily="49" charset="0"/>
+                <a:cs typeface="Courier New" pitchFamily="49" charset="0"/>
+              </a:rPr>
+              <a:t>th</a:t>
+            </a:r>
+            <a:r>
+              <a:rPr lang="en-US" sz="1600" dirty="0">
+                <a:solidFill>
+                  <a:schemeClr val="accent4"/>
+                </a:solidFill>
+                <a:latin typeface="Courier New" pitchFamily="49" charset="0"/>
+                <a:cs typeface="Courier New" pitchFamily="49" charset="0"/>
+              </a:rPr>
+              <a:t> word out of</a:t>
+            </a:r>
+          </a:p>
+          <a:p>
+            <a:pPr>
+              <a:buFont typeface="Arial" charset="0"/>
+              <a:buNone/>
+              <a:defRPr/>
+            </a:pPr>
+            <a:r>
+              <a:rPr lang="en-US" sz="1600" dirty="0">
+                <a:solidFill>
+                  <a:schemeClr val="accent4"/>
+                </a:solidFill>
+                <a:latin typeface="Courier New" pitchFamily="49" charset="0"/>
+                <a:cs typeface="Courier New" pitchFamily="49" charset="0"/>
+              </a:rPr>
+              <a:t>//  sentence and store it in word</a:t>
+            </a:r>
+          </a:p>
+        </p:txBody>
+      </p:sp>
+    </p:spTree>
+    <p:extLst>
+      <p:ext uri="{BB962C8B-B14F-4D97-AF65-F5344CB8AC3E}">
+        <p14:creationId xmlns:p14="http://schemas.microsoft.com/office/powerpoint/2010/main" val="608570178"/>
+      </p:ext>
+    </p:extLst>
+  </p:cSld>
+  <p:clrMapOvr>
+    <a:masterClrMapping/>
+  </p:clrMapOvr>
+</p:sld>
+</file>
+
+<file path=ppt/slides/slide22.xml><?xml version="1.0" encoding="utf-8"?>
+<p:sld xmlns:a="http://schemas.openxmlformats.org/drawingml/2006/main" xmlns:r="http://schemas.openxmlformats.org/officeDocument/2006/relationships" xmlns:p="http://schemas.openxmlformats.org/presentationml/2006/main">
+  <p:cSld>
+    <p:spTree>
+      <p:nvGrpSpPr>
+        <p:cNvPr id="1" name=""/>
+        <p:cNvGrpSpPr/>
+        <p:nvPr/>
+      </p:nvGrpSpPr>
+      <p:grpSpPr>
+        <a:xfrm>
+          <a:off x="0" y="0"/>
+          <a:ext cx="0" cy="0"/>
+          <a:chOff x="0" y="0"/>
+          <a:chExt cx="0" cy="0"/>
+        </a:xfrm>
+      </p:grpSpPr>
+      <p:sp>
+        <p:nvSpPr>
+          <p:cNvPr id="2" name="Title 1"/>
+          <p:cNvSpPr>
+            <a:spLocks noGrp="1"/>
+          </p:cNvSpPr>
+          <p:nvPr>
+            <p:ph type="title"/>
+          </p:nvPr>
+        </p:nvSpPr>
+        <p:spPr>
+          <a:xfrm>
+            <a:off x="457200" y="274638"/>
+            <a:ext cx="8229600" cy="715962"/>
+          </a:xfrm>
+        </p:spPr>
+        <p:txBody>
+          <a:bodyPr/>
+          <a:lstStyle/>
+          <a:p>
+            <a:pPr>
+              <a:defRPr/>
+            </a:pPr>
+            <a:r>
+              <a:rPr lang="en-US" dirty="0"/>
+              <a:t>Using Multiple Files</a:t>
+            </a:r>
+          </a:p>
+        </p:txBody>
+      </p:sp>
+      <p:sp>
+        <p:nvSpPr>
+          <p:cNvPr id="3" name="Content Placeholder 2"/>
+          <p:cNvSpPr>
+            <a:spLocks noGrp="1"/>
+          </p:cNvSpPr>
+          <p:nvPr>
+            <p:ph idx="1"/>
+          </p:nvPr>
+        </p:nvSpPr>
+        <p:spPr>
+          <a:xfrm>
+            <a:off x="457200" y="1066800"/>
+            <a:ext cx="8229600" cy="5486400"/>
+          </a:xfrm>
+        </p:spPr>
+        <p:txBody>
+          <a:bodyPr/>
+          <a:lstStyle/>
+          <a:p>
+            <a:pPr>
+              <a:defRPr/>
+            </a:pPr>
+            <a:r>
+              <a:rPr lang="en-US" sz="2800" dirty="0"/>
+              <a:t>It can be convenient to organize code into more than one file</a:t>
+            </a:r>
+          </a:p>
+          <a:p>
+            <a:pPr lvl="1">
+              <a:defRPr/>
+            </a:pPr>
+            <a:r>
+              <a:rPr lang="en-US" sz="2400" dirty="0"/>
+              <a:t>Particularly for reusing code (libraries)</a:t>
+            </a:r>
+          </a:p>
+          <a:p>
+            <a:pPr>
+              <a:defRPr/>
+            </a:pPr>
+            <a:r>
+              <a:rPr lang="en-US" sz="2800" dirty="0"/>
+              <a:t>Standard libraries are included with:</a:t>
+            </a:r>
+          </a:p>
+          <a:p>
+            <a:pPr lvl="1">
+              <a:buFont typeface="Arial" charset="0"/>
+              <a:buNone/>
+              <a:defRPr/>
+            </a:pPr>
+            <a:r>
+              <a:rPr lang="en-US" sz="1800" dirty="0">
+                <a:solidFill>
+                  <a:schemeClr val="accent4"/>
+                </a:solidFill>
+                <a:latin typeface="Courier New" pitchFamily="49" charset="0"/>
+                <a:cs typeface="Courier New" pitchFamily="49" charset="0"/>
+              </a:rPr>
+              <a:t>#include &lt;name&gt; (e.g. </a:t>
+            </a:r>
+            <a:r>
+              <a:rPr lang="en-US" sz="1800" dirty="0" err="1">
+                <a:solidFill>
+                  <a:schemeClr val="accent4"/>
+                </a:solidFill>
+                <a:latin typeface="Courier New" pitchFamily="49" charset="0"/>
+                <a:cs typeface="Courier New" pitchFamily="49" charset="0"/>
+              </a:rPr>
+              <a:t>iostream</a:t>
+            </a:r>
+            <a:r>
+              <a:rPr lang="en-US" sz="1800" dirty="0">
+                <a:solidFill>
+                  <a:schemeClr val="accent4"/>
+                </a:solidFill>
+                <a:latin typeface="Courier New" pitchFamily="49" charset="0"/>
+                <a:cs typeface="Courier New" pitchFamily="49" charset="0"/>
+              </a:rPr>
+              <a:t>, string, </a:t>
+            </a:r>
+            <a:r>
+              <a:rPr lang="en-US" sz="1800" dirty="0" err="1">
+                <a:solidFill>
+                  <a:schemeClr val="accent4"/>
+                </a:solidFill>
+                <a:latin typeface="Courier New" pitchFamily="49" charset="0"/>
+                <a:cs typeface="Courier New" pitchFamily="49" charset="0"/>
+              </a:rPr>
+              <a:t>cmath</a:t>
+            </a:r>
+            <a:r>
+              <a:rPr lang="en-US" sz="1800" dirty="0">
+                <a:solidFill>
+                  <a:schemeClr val="accent4"/>
+                </a:solidFill>
+                <a:latin typeface="Courier New" pitchFamily="49" charset="0"/>
+                <a:cs typeface="Courier New" pitchFamily="49" charset="0"/>
+              </a:rPr>
+              <a:t>, etc)</a:t>
+            </a:r>
+          </a:p>
+          <a:p>
+            <a:pPr>
+              <a:defRPr/>
+            </a:pPr>
+            <a:r>
+              <a:rPr lang="en-US" sz="2800" dirty="0"/>
+              <a:t>Files in a project are included with:</a:t>
+            </a:r>
+          </a:p>
+          <a:p>
+            <a:pPr lvl="1">
+              <a:buFont typeface="Arial" charset="0"/>
+              <a:buNone/>
+              <a:defRPr/>
+            </a:pPr>
+            <a:r>
+              <a:rPr lang="en-US" sz="1800" dirty="0">
+                <a:solidFill>
+                  <a:schemeClr val="accent4"/>
+                </a:solidFill>
+                <a:latin typeface="Courier New" pitchFamily="49" charset="0"/>
+                <a:cs typeface="Courier New" pitchFamily="49" charset="0"/>
+              </a:rPr>
+              <a:t>#include “name” (e.g. </a:t>
+            </a:r>
+            <a:r>
+              <a:rPr lang="en-US" sz="1800" dirty="0" err="1">
+                <a:solidFill>
+                  <a:schemeClr val="accent4"/>
+                </a:solidFill>
+                <a:latin typeface="Courier New" pitchFamily="49" charset="0"/>
+                <a:cs typeface="Courier New" pitchFamily="49" charset="0"/>
+              </a:rPr>
+              <a:t>main.h</a:t>
+            </a:r>
+            <a:r>
+              <a:rPr lang="en-US" sz="1800" dirty="0">
+                <a:solidFill>
+                  <a:schemeClr val="accent4"/>
+                </a:solidFill>
+                <a:latin typeface="Courier New" pitchFamily="49" charset="0"/>
+                <a:cs typeface="Courier New" pitchFamily="49" charset="0"/>
+              </a:rPr>
+              <a:t>, functions.cpp, etc)</a:t>
+            </a:r>
+          </a:p>
+          <a:p>
+            <a:pPr>
+              <a:defRPr/>
+            </a:pPr>
+            <a:endParaRPr lang="en-US" sz="2800" dirty="0"/>
+          </a:p>
+          <a:p>
+            <a:pPr>
+              <a:defRPr/>
+            </a:pPr>
+            <a:r>
+              <a:rPr lang="en-US" sz="2800" dirty="0"/>
+              <a:t>Including a file merely inserts that file in place of the include directive</a:t>
+            </a:r>
+          </a:p>
+          <a:p>
+            <a:pPr>
+              <a:defRPr/>
+            </a:pPr>
+            <a:r>
+              <a:rPr lang="en-US" sz="2800" dirty="0"/>
+              <a:t>Useful for putting functions in their own file</a:t>
+            </a:r>
+          </a:p>
+        </p:txBody>
+      </p:sp>
+    </p:spTree>
+    <p:extLst>
+      <p:ext uri="{BB962C8B-B14F-4D97-AF65-F5344CB8AC3E}">
+        <p14:creationId xmlns:p14="http://schemas.microsoft.com/office/powerpoint/2010/main" val="906485625"/>
+      </p:ext>
+    </p:extLst>
   </p:cSld>
   <p:clrMapOvr>
     <a:masterClrMapping/>
